--- a/soc110_fall_2019/soc110_discussion_2.pptx
+++ b/soc110_fall_2019/soc110_discussion_2.pptx
@@ -13,12 +13,12 @@
     <p:sldId id="267" r:id="rId4"/>
     <p:sldId id="257" r:id="rId5"/>
     <p:sldId id="259" r:id="rId6"/>
-    <p:sldId id="265" r:id="rId7"/>
-    <p:sldId id="268" r:id="rId8"/>
-    <p:sldId id="266" r:id="rId9"/>
-    <p:sldId id="262" r:id="rId10"/>
-    <p:sldId id="263" r:id="rId11"/>
-    <p:sldId id="269" r:id="rId12"/>
+    <p:sldId id="268" r:id="rId7"/>
+    <p:sldId id="266" r:id="rId8"/>
+    <p:sldId id="262" r:id="rId9"/>
+    <p:sldId id="263" r:id="rId10"/>
+    <p:sldId id="269" r:id="rId11"/>
+    <p:sldId id="265" r:id="rId12"/>
   </p:sldIdLst>
   <p:sldSz cx="12192000" cy="6858000"/>
   <p:notesSz cx="6858000" cy="9144000"/>
@@ -207,7 +207,7 @@
           <a:p>
             <a:fld id="{ABD09FB1-C3CA-5248-BC4B-25C5A5D2AB1B}" type="datetimeFigureOut">
               <a:rPr lang="en-US" smtClean="0"/>
-              <a:t>9/5/19</a:t>
+              <a:t>9/6/19</a:t>
             </a:fld>
             <a:endParaRPr lang="en-US"/>
           </a:p>
@@ -705,7 +705,7 @@
           <a:p>
             <a:fld id="{B4BA552B-473D-224C-8FCD-60DF7DF3FB37}" type="datetimeFigureOut">
               <a:rPr lang="en-US" smtClean="0"/>
-              <a:t>9/5/19</a:t>
+              <a:t>9/6/19</a:t>
             </a:fld>
             <a:endParaRPr lang="en-US"/>
           </a:p>
@@ -903,7 +903,7 @@
           <a:p>
             <a:fld id="{B4BA552B-473D-224C-8FCD-60DF7DF3FB37}" type="datetimeFigureOut">
               <a:rPr lang="en-US" smtClean="0"/>
-              <a:t>9/5/19</a:t>
+              <a:t>9/6/19</a:t>
             </a:fld>
             <a:endParaRPr lang="en-US"/>
           </a:p>
@@ -1111,7 +1111,7 @@
           <a:p>
             <a:fld id="{B4BA552B-473D-224C-8FCD-60DF7DF3FB37}" type="datetimeFigureOut">
               <a:rPr lang="en-US" smtClean="0"/>
-              <a:t>9/5/19</a:t>
+              <a:t>9/6/19</a:t>
             </a:fld>
             <a:endParaRPr lang="en-US"/>
           </a:p>
@@ -1309,7 +1309,7 @@
           <a:p>
             <a:fld id="{B4BA552B-473D-224C-8FCD-60DF7DF3FB37}" type="datetimeFigureOut">
               <a:rPr lang="en-US" smtClean="0"/>
-              <a:t>9/5/19</a:t>
+              <a:t>9/6/19</a:t>
             </a:fld>
             <a:endParaRPr lang="en-US"/>
           </a:p>
@@ -1584,7 +1584,7 @@
           <a:p>
             <a:fld id="{B4BA552B-473D-224C-8FCD-60DF7DF3FB37}" type="datetimeFigureOut">
               <a:rPr lang="en-US" smtClean="0"/>
-              <a:t>9/5/19</a:t>
+              <a:t>9/6/19</a:t>
             </a:fld>
             <a:endParaRPr lang="en-US"/>
           </a:p>
@@ -1849,7 +1849,7 @@
           <a:p>
             <a:fld id="{B4BA552B-473D-224C-8FCD-60DF7DF3FB37}" type="datetimeFigureOut">
               <a:rPr lang="en-US" smtClean="0"/>
-              <a:t>9/5/19</a:t>
+              <a:t>9/6/19</a:t>
             </a:fld>
             <a:endParaRPr lang="en-US"/>
           </a:p>
@@ -2261,7 +2261,7 @@
           <a:p>
             <a:fld id="{B4BA552B-473D-224C-8FCD-60DF7DF3FB37}" type="datetimeFigureOut">
               <a:rPr lang="en-US" smtClean="0"/>
-              <a:t>9/5/19</a:t>
+              <a:t>9/6/19</a:t>
             </a:fld>
             <a:endParaRPr lang="en-US"/>
           </a:p>
@@ -2402,7 +2402,7 @@
           <a:p>
             <a:fld id="{B4BA552B-473D-224C-8FCD-60DF7DF3FB37}" type="datetimeFigureOut">
               <a:rPr lang="en-US" smtClean="0"/>
-              <a:t>9/5/19</a:t>
+              <a:t>9/6/19</a:t>
             </a:fld>
             <a:endParaRPr lang="en-US"/>
           </a:p>
@@ -2515,7 +2515,7 @@
           <a:p>
             <a:fld id="{B4BA552B-473D-224C-8FCD-60DF7DF3FB37}" type="datetimeFigureOut">
               <a:rPr lang="en-US" smtClean="0"/>
-              <a:t>9/5/19</a:t>
+              <a:t>9/6/19</a:t>
             </a:fld>
             <a:endParaRPr lang="en-US"/>
           </a:p>
@@ -2826,7 +2826,7 @@
           <a:p>
             <a:fld id="{B4BA552B-473D-224C-8FCD-60DF7DF3FB37}" type="datetimeFigureOut">
               <a:rPr lang="en-US" smtClean="0"/>
-              <a:t>9/5/19</a:t>
+              <a:t>9/6/19</a:t>
             </a:fld>
             <a:endParaRPr lang="en-US"/>
           </a:p>
@@ -3114,7 +3114,7 @@
           <a:p>
             <a:fld id="{B4BA552B-473D-224C-8FCD-60DF7DF3FB37}" type="datetimeFigureOut">
               <a:rPr lang="en-US" smtClean="0"/>
-              <a:t>9/5/19</a:t>
+              <a:t>9/6/19</a:t>
             </a:fld>
             <a:endParaRPr lang="en-US"/>
           </a:p>
@@ -3355,7 +3355,7 @@
           <a:p>
             <a:fld id="{B4BA552B-473D-224C-8FCD-60DF7DF3FB37}" type="datetimeFigureOut">
               <a:rPr lang="en-US" smtClean="0"/>
-              <a:t>9/5/19</a:t>
+              <a:t>9/6/19</a:t>
             </a:fld>
             <a:endParaRPr lang="en-US"/>
           </a:p>
@@ -4121,7 +4121,7 @@
                   <a:schemeClr val="accent1"/>
                 </a:solidFill>
               </a:rPr>
-              <a:t>Culture</a:t>
+              <a:t>Looking Ahead</a:t>
             </a:r>
           </a:p>
         </p:txBody>
@@ -4211,48 +4211,13 @@
           <a:p>
             <a:r>
               <a:rPr lang="en-US" sz="2400" dirty="0"/>
-              <a:t>What's different about the </a:t>
-            </a:r>
-            <a:r>
-              <a:rPr lang="en-US" sz="2400" dirty="0" err="1"/>
-              <a:t>Tsimane</a:t>
-            </a:r>
+              <a:t>Can anyone summarize what conflict-based theories of culture say?</a:t>
+            </a:r>
+          </a:p>
+          <a:p>
             <a:r>
               <a:rPr lang="en-US" sz="2400" dirty="0"/>
-              <a:t> tribe that might make their ability to identify "music" different from WEIRD people like us?</a:t>
-            </a:r>
-          </a:p>
-          <a:p>
-            <a:r>
-              <a:rPr lang="en-US" sz="2400" dirty="0"/>
-              <a:t>What does this difference teach us?</a:t>
-            </a:r>
-          </a:p>
-          <a:p>
-            <a:r>
-              <a:rPr lang="en-US" sz="2400" dirty="0"/>
-              <a:t>What do </a:t>
-            </a:r>
-            <a:r>
-              <a:rPr lang="en-US" sz="2400" i="1" dirty="0"/>
-              <a:t>YOU </a:t>
-            </a:r>
-            <a:r>
-              <a:rPr lang="en-US" sz="2400" dirty="0"/>
-              <a:t>think constitutes music?</a:t>
-            </a:r>
-          </a:p>
-          <a:p>
-            <a:pPr lvl="1"/>
-            <a:r>
-              <a:rPr lang="en-US" sz="2000" dirty="0"/>
-              <a:t>Musicians in the room, speak up!</a:t>
-            </a:r>
-          </a:p>
-          <a:p>
-            <a:r>
-              <a:rPr lang="en-US" sz="2400" dirty="0"/>
-              <a:t>Do you know any pieces of music that your classmates might not think is “music?”</a:t>
+              <a:t>What do you think a more cooperative theory of culture would say?</a:t>
             </a:r>
           </a:p>
           <a:p>
@@ -4263,7 +4228,7 @@
     </p:spTree>
     <p:extLst>
       <p:ext uri="{BB962C8B-B14F-4D97-AF65-F5344CB8AC3E}">
-        <p14:creationId xmlns:p14="http://schemas.microsoft.com/office/powerpoint/2010/main" val="3064913982"/>
+        <p14:creationId xmlns:p14="http://schemas.microsoft.com/office/powerpoint/2010/main" val="2293136028"/>
       </p:ext>
     </p:extLst>
   </p:cSld>
@@ -4398,7 +4363,7 @@
                   <a:schemeClr val="accent1"/>
                 </a:solidFill>
               </a:rPr>
-              <a:t>Looking Ahead</a:t>
+              <a:t>Groups</a:t>
             </a:r>
           </a:p>
         </p:txBody>
@@ -4487,25 +4452,68 @@
           <a:lstStyle/>
           <a:p>
             <a:r>
+              <a:rPr lang="en-US" sz="2400" b="1" dirty="0"/>
+              <a:t>GROUP 1</a:t>
+            </a:r>
+          </a:p>
+          <a:p>
+            <a:pPr lvl="1"/>
+            <a:r>
+              <a:rPr lang="en-US" sz="2000" dirty="0"/>
+              <a:t>Katherine, </a:t>
+            </a:r>
+            <a:r>
+              <a:rPr lang="en-US" sz="2000" dirty="0" err="1"/>
+              <a:t>Xuanyu</a:t>
+            </a:r>
+            <a:r>
+              <a:rPr lang="en-US" sz="2000" dirty="0"/>
+              <a:t>, Lexi, Lauren S., Taher</a:t>
+            </a:r>
+          </a:p>
+          <a:p>
+            <a:r>
+              <a:rPr lang="en-US" sz="2400" b="1" dirty="0"/>
+              <a:t>GROUP 2</a:t>
+            </a:r>
+          </a:p>
+          <a:p>
+            <a:pPr lvl="1"/>
+            <a:r>
+              <a:rPr lang="en-US" sz="2000" dirty="0"/>
+              <a:t>Sloane, RJ, Taylor, Mike, Justin</a:t>
+            </a:r>
+            <a:endParaRPr lang="en-US" sz="2000" b="1" dirty="0"/>
+          </a:p>
+          <a:p>
+            <a:r>
+              <a:rPr lang="en-US" sz="2400" b="1" dirty="0"/>
+              <a:t>GROUP 3</a:t>
+            </a:r>
+          </a:p>
+          <a:p>
+            <a:pPr lvl="1"/>
+            <a:r>
+              <a:rPr lang="en-US" sz="2000" dirty="0"/>
+              <a:t>Grace, Gabrielle, Caroline, Charlotte, Lauren H.</a:t>
+            </a:r>
+            <a:br>
+              <a:rPr lang="en-US" sz="2000" dirty="0"/>
+            </a:br>
+            <a:endParaRPr lang="en-US" sz="2000" dirty="0"/>
+          </a:p>
+          <a:p>
+            <a:r>
               <a:rPr lang="en-US" sz="2400" dirty="0"/>
-              <a:t>Can anyone summarize what conflict-based theories of culture say?</a:t>
-            </a:r>
-          </a:p>
-          <a:p>
-            <a:r>
-              <a:rPr lang="en-US" sz="2400" dirty="0"/>
-              <a:t>What do you think a more cooperative theory of culture would say?</a:t>
-            </a:r>
-          </a:p>
-          <a:p>
-            <a:endParaRPr lang="en-US" sz="2000" dirty="0"/>
+              <a:t>If you don’t see your name here, tell me and I’ll assign you to a group</a:t>
+            </a:r>
           </a:p>
         </p:txBody>
       </p:sp>
     </p:spTree>
     <p:extLst>
       <p:ext uri="{BB962C8B-B14F-4D97-AF65-F5344CB8AC3E}">
-        <p14:creationId xmlns:p14="http://schemas.microsoft.com/office/powerpoint/2010/main" val="2293136028"/>
+        <p14:creationId xmlns:p14="http://schemas.microsoft.com/office/powerpoint/2010/main" val="108584234"/>
       </p:ext>
     </p:extLst>
   </p:cSld>
@@ -4749,11 +4757,29 @@
           <a:p>
             <a:r>
               <a:rPr lang="en-US" sz="2400" dirty="0"/>
-              <a:t>Where would you study it? </a:t>
-            </a:r>
-            <a:r>
-              <a:rPr lang="en-US" dirty="0"/>
-              <a:t>	</a:t>
+              <a:t>Where would you study it?</a:t>
+            </a:r>
+          </a:p>
+          <a:p>
+            <a:pPr marL="0" indent="0" algn="ctr">
+              <a:buNone/>
+            </a:pPr>
+            <a:endParaRPr lang="en-US" dirty="0"/>
+          </a:p>
+          <a:p>
+            <a:pPr marL="0" indent="0" algn="ctr">
+              <a:buNone/>
+            </a:pPr>
+            <a:r>
+              <a:rPr lang="en-US" b="1" dirty="0"/>
+              <a:t>TURN IN THIS PAPER AT THE</a:t>
+            </a:r>
+            <a:br>
+              <a:rPr lang="en-US" b="1" dirty="0"/>
+            </a:br>
+            <a:r>
+              <a:rPr lang="en-US" b="1" dirty="0"/>
+              <a:t>END OF CLASS!</a:t>
             </a:r>
           </a:p>
         </p:txBody>
@@ -5787,15 +5813,23 @@
             <a:pPr lvl="1"/>
             <a:r>
               <a:rPr lang="en-US" sz="2000" dirty="0"/>
-              <a:t>Katherine, </a:t>
+              <a:t>Uma, </a:t>
             </a:r>
             <a:r>
               <a:rPr lang="en-US" sz="2000" dirty="0" err="1"/>
-              <a:t>Xuanyu</a:t>
+              <a:t>Saagar</a:t>
             </a:r>
             <a:r>
               <a:rPr lang="en-US" sz="2000" dirty="0"/>
-              <a:t>, Lexi, Lauren S., Taher</a:t>
+              <a:t>, Kami, </a:t>
+            </a:r>
+            <a:r>
+              <a:rPr lang="en-US" sz="2000" dirty="0" err="1"/>
+              <a:t>Prayo</a:t>
+            </a:r>
+            <a:r>
+              <a:rPr lang="en-US" sz="2000" dirty="0"/>
+              <a:t>, Alex</a:t>
             </a:r>
           </a:p>
           <a:p>
@@ -5808,7 +5842,7 @@
             <a:pPr lvl="1"/>
             <a:r>
               <a:rPr lang="en-US" sz="2000" dirty="0"/>
-              <a:t>Sloane, RJ, Taylor, Mike, Justin</a:t>
+              <a:t>Manav, Soren, Malik, Colin, Trey</a:t>
             </a:r>
             <a:endParaRPr lang="en-US" sz="2000" b="1" dirty="0"/>
           </a:p>
@@ -5822,7 +5856,7 @@
             <a:pPr lvl="1"/>
             <a:r>
               <a:rPr lang="en-US" sz="2000" dirty="0"/>
-              <a:t>Grace, Gabrielle, Caroline, Charlotte, Lauren H.</a:t>
+              <a:t>Ritika, Abigail, Hannah, Nikki, Chloe</a:t>
             </a:r>
             <a:br>
               <a:rPr lang="en-US" sz="2000" dirty="0"/>
@@ -5840,7 +5874,7 @@
     </p:spTree>
     <p:extLst>
       <p:ext uri="{BB962C8B-B14F-4D97-AF65-F5344CB8AC3E}">
-        <p14:creationId xmlns:p14="http://schemas.microsoft.com/office/powerpoint/2010/main" val="108584234"/>
+        <p14:creationId xmlns:p14="http://schemas.microsoft.com/office/powerpoint/2010/main" val="4430984"/>
       </p:ext>
     </p:extLst>
   </p:cSld>
@@ -5975,7 +6009,7 @@
                   <a:schemeClr val="accent1"/>
                 </a:solidFill>
               </a:rPr>
-              <a:t>Groups</a:t>
+              <a:t>Bring It All Together</a:t>
             </a:r>
           </a:p>
         </p:txBody>
@@ -6064,76 +6098,101 @@
           <a:lstStyle/>
           <a:p>
             <a:r>
-              <a:rPr lang="en-US" sz="2400" b="1" dirty="0"/>
-              <a:t>GROUP 1</a:t>
+              <a:rPr lang="en-US" sz="2400" dirty="0"/>
+              <a:t>What research topic/question site did your group choose?</a:t>
+            </a:r>
+          </a:p>
+          <a:p>
+            <a:r>
+              <a:rPr lang="en-US" sz="2400" dirty="0"/>
+              <a:t>Other groups: do you think this project would be…</a:t>
             </a:r>
           </a:p>
           <a:p>
             <a:pPr lvl="1"/>
             <a:r>
+              <a:rPr lang="en-US" sz="2000" b="1" dirty="0"/>
+              <a:t>INDUCTIVE</a:t>
+            </a:r>
+            <a:r>
               <a:rPr lang="en-US" sz="2000" dirty="0"/>
-              <a:t>Uma, </a:t>
-            </a:r>
-            <a:r>
-              <a:rPr lang="en-US" sz="2000" dirty="0" err="1"/>
-              <a:t>Saagar</a:t>
+              <a:t> or </a:t>
+            </a:r>
+            <a:r>
+              <a:rPr lang="en-US" sz="2000" b="1" dirty="0"/>
+              <a:t>DEDUCTIVE</a:t>
             </a:r>
             <a:r>
               <a:rPr lang="en-US" sz="2000" dirty="0"/>
-              <a:t>, Kami, </a:t>
-            </a:r>
-            <a:r>
-              <a:rPr lang="en-US" sz="2000" dirty="0" err="1"/>
-              <a:t>Prayo</a:t>
+              <a:t>?</a:t>
+            </a:r>
+          </a:p>
+          <a:p>
+            <a:pPr lvl="1"/>
+            <a:r>
+              <a:rPr lang="en-US" sz="2000" b="1" dirty="0"/>
+              <a:t>POSTIVIST</a:t>
             </a:r>
             <a:r>
               <a:rPr lang="en-US" sz="2000" dirty="0"/>
-              <a:t>, Alex</a:t>
-            </a:r>
-          </a:p>
-          <a:p>
-            <a:r>
-              <a:rPr lang="en-US" sz="2400" b="1" dirty="0"/>
-              <a:t>GROUP 2</a:t>
+              <a:t> or </a:t>
+            </a:r>
+            <a:r>
+              <a:rPr lang="en-US" sz="2000" b="1" dirty="0"/>
+              <a:t>INTERPRETIVIST</a:t>
+            </a:r>
+            <a:r>
+              <a:rPr lang="en-US" sz="2000" dirty="0"/>
+              <a:t>?</a:t>
             </a:r>
           </a:p>
           <a:p>
             <a:pPr lvl="1"/>
             <a:r>
+              <a:rPr lang="en-US" sz="2000" b="1" dirty="0"/>
+              <a:t>QUANTITATIVE</a:t>
+            </a:r>
+            <a:r>
               <a:rPr lang="en-US" sz="2000" dirty="0"/>
-              <a:t>Manav, Soren, Malik, Colin, Trey</a:t>
-            </a:r>
-            <a:endParaRPr lang="en-US" sz="2000" b="1" dirty="0"/>
-          </a:p>
-          <a:p>
-            <a:r>
-              <a:rPr lang="en-US" sz="2400" b="1" dirty="0"/>
-              <a:t>GROUP 3</a:t>
+              <a:t> or </a:t>
+            </a:r>
+            <a:r>
+              <a:rPr lang="en-US" sz="2000" b="1" dirty="0"/>
+              <a:t>QUALITATIVE</a:t>
+            </a:r>
+            <a:r>
+              <a:rPr lang="en-US" sz="2000" dirty="0"/>
+              <a:t>?</a:t>
             </a:r>
           </a:p>
           <a:p>
             <a:pPr lvl="1"/>
             <a:r>
+              <a:rPr lang="en-US" sz="2000" b="1" dirty="0"/>
+              <a:t>CONFLICT-BASED</a:t>
+            </a:r>
+            <a:r>
               <a:rPr lang="en-US" sz="2000" dirty="0"/>
-              <a:t>Ritika, Abigail, Hannah, Nikki, Chloe</a:t>
-            </a:r>
-            <a:br>
+              <a:t> or </a:t>
+            </a:r>
+            <a:r>
+              <a:rPr lang="en-US" sz="2000" b="1" dirty="0"/>
+              <a:t>COOPERATIVE</a:t>
+            </a:r>
+            <a:r>
               <a:rPr lang="en-US" sz="2000" dirty="0"/>
-            </a:br>
+              <a:t>?</a:t>
+            </a:r>
+          </a:p>
+          <a:p>
             <a:endParaRPr lang="en-US" sz="2000" dirty="0"/>
-          </a:p>
-          <a:p>
-            <a:r>
-              <a:rPr lang="en-US" sz="2400" dirty="0"/>
-              <a:t>If you don’t see your name here, tell me and I’ll assign you to a group</a:t>
-            </a:r>
           </a:p>
         </p:txBody>
       </p:sp>
     </p:spTree>
     <p:extLst>
       <p:ext uri="{BB962C8B-B14F-4D97-AF65-F5344CB8AC3E}">
-        <p14:creationId xmlns:p14="http://schemas.microsoft.com/office/powerpoint/2010/main" val="4430984"/>
+        <p14:creationId xmlns:p14="http://schemas.microsoft.com/office/powerpoint/2010/main" val="4252951355"/>
       </p:ext>
     </p:extLst>
   </p:cSld>
@@ -6268,7 +6327,7 @@
                   <a:schemeClr val="accent1"/>
                 </a:solidFill>
               </a:rPr>
-              <a:t>Bring It All Together</a:t>
+              <a:t>The Jacobs Reading</a:t>
             </a:r>
           </a:p>
         </p:txBody>
@@ -6358,92 +6417,39 @@
           <a:p>
             <a:r>
               <a:rPr lang="en-US" sz="2400" dirty="0"/>
-              <a:t>What research topic/question site did your group choose?</a:t>
+              <a:t>Can anyone summarize?</a:t>
             </a:r>
           </a:p>
           <a:p>
             <a:r>
               <a:rPr lang="en-US" sz="2400" dirty="0"/>
-              <a:t>Other groups: do you think this project would be…</a:t>
+              <a:t>How would we describe Jacobs’s study according to the characteristics we’ve just discussed?</a:t>
+            </a:r>
+          </a:p>
+          <a:p>
+            <a:r>
+              <a:rPr lang="en-US" sz="2400" dirty="0"/>
+              <a:t>What made this study tricky as far as execution?</a:t>
             </a:r>
           </a:p>
           <a:p>
             <a:pPr lvl="1"/>
             <a:r>
-              <a:rPr lang="en-US" sz="2000" b="1" dirty="0"/>
-              <a:t>INDUCTIVE</a:t>
-            </a:r>
-            <a:r>
               <a:rPr lang="en-US" sz="2000" dirty="0"/>
-              <a:t> or </a:t>
-            </a:r>
-            <a:r>
-              <a:rPr lang="en-US" sz="2000" b="1" dirty="0"/>
-              <a:t>DEDUCTIVE</a:t>
-            </a:r>
-            <a:r>
-              <a:rPr lang="en-US" sz="2000" dirty="0"/>
-              <a:t>?</a:t>
-            </a:r>
-          </a:p>
-          <a:p>
-            <a:pPr lvl="1"/>
-            <a:r>
-              <a:rPr lang="en-US" sz="2000" b="1" dirty="0"/>
-              <a:t>POSTIVIST</a:t>
-            </a:r>
-            <a:r>
-              <a:rPr lang="en-US" sz="2000" dirty="0"/>
-              <a:t> or </a:t>
-            </a:r>
-            <a:r>
-              <a:rPr lang="en-US" sz="2000" b="1" dirty="0"/>
-              <a:t>INTERPRETIVIST</a:t>
-            </a:r>
-            <a:r>
-              <a:rPr lang="en-US" sz="2000" dirty="0"/>
-              <a:t>?</a:t>
-            </a:r>
-          </a:p>
-          <a:p>
-            <a:pPr lvl="1"/>
-            <a:r>
-              <a:rPr lang="en-US" sz="2000" b="1" dirty="0"/>
-              <a:t>QUANTITATIVE</a:t>
-            </a:r>
-            <a:r>
-              <a:rPr lang="en-US" sz="2000" dirty="0"/>
-              <a:t> or </a:t>
-            </a:r>
-            <a:r>
-              <a:rPr lang="en-US" sz="2000" b="1" dirty="0"/>
-              <a:t>QUALITATIVE</a:t>
-            </a:r>
-            <a:r>
-              <a:rPr lang="en-US" sz="2000" dirty="0"/>
-              <a:t>?</a:t>
-            </a:r>
-          </a:p>
-          <a:p>
-            <a:pPr lvl="1"/>
-            <a:r>
-              <a:rPr lang="en-US" sz="2000" b="1" dirty="0"/>
-              <a:t>CONFLICT-BASED</a:t>
-            </a:r>
-            <a:r>
-              <a:rPr lang="en-US" sz="2000" dirty="0"/>
-              <a:t> or </a:t>
-            </a:r>
-            <a:r>
-              <a:rPr lang="en-US" sz="2000" b="1" dirty="0"/>
-              <a:t>COOPERATIVE</a:t>
-            </a:r>
-            <a:r>
-              <a:rPr lang="en-US" sz="2000" dirty="0"/>
-              <a:t>?</a:t>
-            </a:r>
-          </a:p>
-          <a:p>
+              <a:t>Practically? Ethically?</a:t>
+            </a:r>
+          </a:p>
+          <a:p>
+            <a:r>
+              <a:rPr lang="en-US" sz="2400" dirty="0"/>
+              <a:t>Were ethics handled appropriately?</a:t>
+            </a:r>
+          </a:p>
+          <a:p>
+            <a:r>
+              <a:rPr lang="en-US" sz="2400" dirty="0"/>
+              <a:t>What else might be hard for sociologists to study? What might be impossible?</a:t>
+            </a:r>
             <a:endParaRPr lang="en-US" sz="2000" dirty="0"/>
           </a:p>
         </p:txBody>
@@ -6451,7 +6457,7 @@
     </p:spTree>
     <p:extLst>
       <p:ext uri="{BB962C8B-B14F-4D97-AF65-F5344CB8AC3E}">
-        <p14:creationId xmlns:p14="http://schemas.microsoft.com/office/powerpoint/2010/main" val="4252951355"/>
+        <p14:creationId xmlns:p14="http://schemas.microsoft.com/office/powerpoint/2010/main" val="1199928321"/>
       </p:ext>
     </p:extLst>
   </p:cSld>
@@ -6586,7 +6592,7 @@
                   <a:schemeClr val="accent1"/>
                 </a:solidFill>
               </a:rPr>
-              <a:t>The Jacobs Reading</a:t>
+              <a:t>Culture</a:t>
             </a:r>
           </a:p>
         </p:txBody>
@@ -6676,39 +6682,51 @@
           <a:p>
             <a:r>
               <a:rPr lang="en-US" sz="2400" dirty="0"/>
-              <a:t>Can anyone summarize?</a:t>
-            </a:r>
-          </a:p>
-          <a:p>
+              <a:t>What's different about the </a:t>
+            </a:r>
+            <a:r>
+              <a:rPr lang="en-US" sz="2400" dirty="0" err="1"/>
+              <a:t>Tsimane</a:t>
+            </a:r>
             <a:r>
               <a:rPr lang="en-US" sz="2400" dirty="0"/>
-              <a:t>How would we describe Jacobs’s study according to the characteristics we’ve just discussed?</a:t>
+              <a:t> tribe that might make their ability to identify "music" different from WEIRD people like us?</a:t>
             </a:r>
           </a:p>
           <a:p>
             <a:r>
               <a:rPr lang="en-US" sz="2400" dirty="0"/>
-              <a:t>What made this study tricky as far as execution?</a:t>
+              <a:t>What does this difference teach us?</a:t>
+            </a:r>
+          </a:p>
+          <a:p>
+            <a:r>
+              <a:rPr lang="en-US" sz="2400" dirty="0"/>
+              <a:t>What do </a:t>
+            </a:r>
+            <a:r>
+              <a:rPr lang="en-US" sz="2400" i="1" dirty="0"/>
+              <a:t>YOU </a:t>
+            </a:r>
+            <a:r>
+              <a:rPr lang="en-US" sz="2400" dirty="0"/>
+              <a:t>think constitutes music?</a:t>
             </a:r>
           </a:p>
           <a:p>
             <a:pPr lvl="1"/>
             <a:r>
               <a:rPr lang="en-US" sz="2000" dirty="0"/>
-              <a:t>Practically? Ethically?</a:t>
+              <a:t>Musicians in the room, speak up!</a:t>
             </a:r>
           </a:p>
           <a:p>
             <a:r>
               <a:rPr lang="en-US" sz="2400" dirty="0"/>
-              <a:t>Were ethics handled appropriately?</a:t>
-            </a:r>
-          </a:p>
-          <a:p>
-            <a:r>
-              <a:rPr lang="en-US" sz="2400" dirty="0"/>
-              <a:t>What else might be hard for sociologists to study? What might be impossible?</a:t>
-            </a:r>
+              <a:t>Do you know any pieces of music that your classmates might not think is “music?”</a:t>
+            </a:r>
+          </a:p>
+          <a:p>
             <a:endParaRPr lang="en-US" sz="2000" dirty="0"/>
           </a:p>
         </p:txBody>
@@ -6716,7 +6734,7 @@
     </p:spTree>
     <p:extLst>
       <p:ext uri="{BB962C8B-B14F-4D97-AF65-F5344CB8AC3E}">
-        <p14:creationId xmlns:p14="http://schemas.microsoft.com/office/powerpoint/2010/main" val="1199928321"/>
+        <p14:creationId xmlns:p14="http://schemas.microsoft.com/office/powerpoint/2010/main" val="3064913982"/>
       </p:ext>
     </p:extLst>
   </p:cSld>
